--- a/Template/MakeSlide_specifications.pptx
+++ b/Template/MakeSlide_specifications.pptx
@@ -1,6 +1,6 @@
 
 <file path=ppt/presentation.xml><?xml version="1.0" encoding="utf-8"?>
-<p:presentation xmlns:a="http://schemas.openxmlformats.org/drawingml/2006/main" xmlns:r="http://schemas.openxmlformats.org/officeDocument/2006/relationships" xmlns:p="http://schemas.openxmlformats.org/presentationml/2006/main" removePersonalInfoOnSave="1" saveSubsetFonts="1">
+<p:presentation xmlns:a="http://schemas.openxmlformats.org/drawingml/2006/main" xmlns:r="http://schemas.openxmlformats.org/officeDocument/2006/relationships" xmlns:p="http://schemas.openxmlformats.org/presentationml/2006/main" removePersonalInfoOnSave="1" saveSubsetFonts="1" autoCompressPictures="0">
   <p:sldMasterIdLst>
     <p:sldMasterId id="2147483648" r:id="rId1"/>
   </p:sldMasterIdLst>
@@ -4376,49 +4376,14 @@
                 <a:latin typeface="+mj-ea"/>
                 <a:ea typeface="+mj-ea"/>
               </a:rPr>
-              <a:t>: </a:t>
-            </a:r>
-            <a:r>
-              <a:rPr lang="en-US" altLang="ja-JP" sz="1400" dirty="0">
-                <a:latin typeface="+mn-ea"/>
-                <a:ea typeface="+mn-ea"/>
-              </a:rPr>
-              <a:t>TIF</a:t>
+              <a:t>: SVG </a:t>
             </a:r>
             <a:r>
               <a:rPr lang="ja-JP" altLang="en-US" sz="1400" dirty="0">
                 <a:latin typeface="+mj-ea"/>
                 <a:ea typeface="+mj-ea"/>
               </a:rPr>
-              <a:t>（</a:t>
-            </a:r>
-            <a:r>
-              <a:rPr lang="en-US" altLang="ja-JP" sz="1400" dirty="0">
-                <a:latin typeface="+mj-ea"/>
-                <a:ea typeface="+mj-ea"/>
-              </a:rPr>
-              <a:t>TIFF</a:t>
-            </a:r>
-            <a:r>
-              <a:rPr lang="ja-JP" altLang="en-US" sz="1400" dirty="0">
-                <a:latin typeface="+mj-ea"/>
-                <a:ea typeface="+mj-ea"/>
-              </a:rPr>
-              <a:t>），</a:t>
-            </a:r>
-            <a:r>
-              <a:rPr lang="en-US" altLang="ja-JP" sz="1400" dirty="0">
-                <a:latin typeface="+mj-ea"/>
-                <a:ea typeface="+mj-ea"/>
-              </a:rPr>
-              <a:t>PDF </a:t>
-            </a:r>
-            <a:r>
-              <a:rPr lang="ja-JP" altLang="en-US" sz="1400" dirty="0">
-                <a:latin typeface="+mj-ea"/>
-                <a:ea typeface="+mj-ea"/>
-              </a:rPr>
-              <a:t>を使用のこと（互換性の問題）．</a:t>
+              <a:t>を利用すること．</a:t>
             </a:r>
             <a:endParaRPr lang="en-US" altLang="ja-JP" sz="1400" dirty="0">
               <a:latin typeface="+mj-ea"/>

--- a/Template/MakeSlide_specifications.pptx
+++ b/Template/MakeSlide_specifications.pptx
@@ -3741,6 +3741,15 @@
                 <a:solidFill>
                   <a:srgbClr val="00B0F0"/>
                 </a:solidFill>
+                <a:latin typeface="+mj-ea"/>
+              </a:rPr>
+              <a:t>スマホや</a:t>
+            </a:r>
+            <a:r>
+              <a:rPr lang="ja-JP" altLang="en-US" sz="1400" dirty="0">
+                <a:solidFill>
+                  <a:srgbClr val="00B0F0"/>
+                </a:solidFill>
                 <a:latin typeface="+mn-ea"/>
               </a:rPr>
               <a:t>紙の原稿を丸読みする行為は，極力控えること．</a:t>
